--- a/results/2020/March/finalreport.pptx
+++ b/results/2020/March/finalreport.pptx
@@ -2624,12 +2624,12 @@
       </p:grpSpPr>
       <p:pic xmlns:a="http://schemas.openxmlformats.org/drawingml/2006/main" xmlns:r="http://schemas.openxmlformats.org/officeDocument/2006/relationships" xmlns:p="http://schemas.openxmlformats.org/presentationml/2006/main">
         <p:nvPicPr>
-          <p:cNvPr id="2" name=""/>
+          <p:cNvPr id="2" name="Title 1"/>
           <p:cNvPicPr>
             <a:picLocks noGrp="1"/>
           </p:cNvPicPr>
           <p:nvPr>
-            <p:ph/>
+            <p:ph type="title"/>
           </p:nvPr>
         </p:nvPicPr>
         <p:blipFill>
@@ -2640,8 +2640,8 @@
         </p:blipFill>
         <p:spPr>
           <a:xfrm>
-            <a:off x="0" y="0"/>
-            <a:ext cx="9144000" cy="6858000"/>
+            <a:off x="457200" y="274638"/>
+            <a:ext cx="8686800" cy="6858000"/>
           </a:xfrm>
         </p:spPr>
       </p:pic>
@@ -3372,197 +3372,6 @@
                       </a:solidFill>
                       <a:prstDash val="solid"/>
                     </a:lnT>
-                    <a:lnB w="0" cmpd="sng" algn="ctr" cap="flat">
-                      <a:solidFill>
-                        <a:srgbClr val="FFFFFF">
-                          <a:alpha val="0"/>
-                        </a:srgbClr>
-                      </a:solidFill>
-                      <a:prstDash val="solid"/>
-                    </a:lnB>
-                  </a:tcPr>
-                </a:tc>
-                <a:tc>
-                  <a:txBody>
-                    <a:bodyPr/>
-                    <a:lstStyle/>
-                    <a:p>
-                      <a:pPr algn="r" marL="63500" marR="63500">
-                        <a:spcBef>
-                          <a:spcPts val="200"/>
-                        </a:spcBef>
-                        <a:spcAft>
-                          <a:spcPts val="200"/>
-                        </a:spcAft>
-                        <a:buNone/>
-                      </a:pPr>
-                      <a:r>
-                        <a:rPr sz="1100">
-                          <a:solidFill>
-                            <a:srgbClr val="111111">
-                              <a:alpha val="100000"/>
-                            </a:srgbClr>
-                          </a:solidFill>
-                          <a:latin typeface="Arial"/>
-                          <a:cs typeface="Arial"/>
-                        </a:rPr>
-                        <a:t>$81,449</a:t>
-                      </a:r>
-                    </a:p>
-                  </a:txBody>
-                  <a:tcPr anchor="ctr" marB="0" marT="0" marR="0" marL="0">
-                    <a:lnL w="0" cmpd="sng" algn="ctr" cap="flat">
-                      <a:solidFill>
-                        <a:srgbClr val="FFFFFF">
-                          <a:alpha val="0"/>
-                        </a:srgbClr>
-                      </a:solidFill>
-                      <a:prstDash val="solid"/>
-                    </a:lnL>
-                    <a:lnR w="0" cmpd="sng" algn="ctr" cap="flat">
-                      <a:solidFill>
-                        <a:srgbClr val="FFFFFF">
-                          <a:alpha val="0"/>
-                        </a:srgbClr>
-                      </a:solidFill>
-                      <a:prstDash val="solid"/>
-                    </a:lnR>
-                    <a:lnT w="0" cmpd="sng" algn="ctr" cap="flat">
-                      <a:solidFill>
-                        <a:srgbClr val="FFFFFF">
-                          <a:alpha val="0"/>
-                        </a:srgbClr>
-                      </a:solidFill>
-                      <a:prstDash val="solid"/>
-                    </a:lnT>
-                    <a:lnB w="0" cmpd="sng" algn="ctr" cap="flat">
-                      <a:solidFill>
-                        <a:srgbClr val="FFFFFF">
-                          <a:alpha val="0"/>
-                        </a:srgbClr>
-                      </a:solidFill>
-                      <a:prstDash val="solid"/>
-                    </a:lnB>
-                  </a:tcPr>
-                </a:tc>
-                <a:tc>
-                  <a:txBody>
-                    <a:bodyPr/>
-                    <a:lstStyle/>
-                    <a:p>
-                      <a:pPr algn="r" marL="63500" marR="63500">
-                        <a:spcBef>
-                          <a:spcPts val="200"/>
-                        </a:spcBef>
-                        <a:spcAft>
-                          <a:spcPts val="200"/>
-                        </a:spcAft>
-                        <a:buNone/>
-                      </a:pPr>
-                      <a:r>
-                        <a:rPr sz="1100">
-                          <a:solidFill>
-                            <a:srgbClr val="111111">
-                              <a:alpha val="100000"/>
-                            </a:srgbClr>
-                          </a:solidFill>
-                          <a:latin typeface="Arial"/>
-                          <a:cs typeface="Arial"/>
-                        </a:rPr>
-                        <a:t>24</a:t>
-                      </a:r>
-                    </a:p>
-                  </a:txBody>
-                  <a:tcPr anchor="ctr" marB="0" marT="0" marR="0" marL="0">
-                    <a:lnL w="0" cmpd="sng" algn="ctr" cap="flat">
-                      <a:solidFill>
-                        <a:srgbClr val="FFFFFF">
-                          <a:alpha val="0"/>
-                        </a:srgbClr>
-                      </a:solidFill>
-                      <a:prstDash val="solid"/>
-                    </a:lnL>
-                    <a:lnR w="0" cmpd="sng" algn="ctr" cap="flat">
-                      <a:solidFill>
-                        <a:srgbClr val="FFFFFF">
-                          <a:alpha val="0"/>
-                        </a:srgbClr>
-                      </a:solidFill>
-                      <a:prstDash val="solid"/>
-                    </a:lnR>
-                    <a:lnT w="0" cmpd="sng" algn="ctr" cap="flat">
-                      <a:solidFill>
-                        <a:srgbClr val="FFFFFF">
-                          <a:alpha val="0"/>
-                        </a:srgbClr>
-                      </a:solidFill>
-                      <a:prstDash val="solid"/>
-                    </a:lnT>
-                    <a:lnB w="0" cmpd="sng" algn="ctr" cap="flat">
-                      <a:solidFill>
-                        <a:srgbClr val="FFFFFF">
-                          <a:alpha val="0"/>
-                        </a:srgbClr>
-                      </a:solidFill>
-                      <a:prstDash val="solid"/>
-                    </a:lnB>
-                  </a:tcPr>
-                </a:tc>
-              </a:tr>
-              <a:tr h="288158">
-                <a:tc>
-                  <a:txBody>
-                    <a:bodyPr/>
-                    <a:lstStyle/>
-                    <a:p>
-                      <a:pPr algn="l" marL="63500" marR="63500">
-                        <a:spcBef>
-                          <a:spcPts val="200"/>
-                        </a:spcBef>
-                        <a:spcAft>
-                          <a:spcPts val="200"/>
-                        </a:spcAft>
-                        <a:buNone/>
-                      </a:pPr>
-                      <a:r>
-                        <a:rPr sz="1100">
-                          <a:solidFill>
-                            <a:srgbClr val="111111">
-                              <a:alpha val="100000"/>
-                            </a:srgbClr>
-                          </a:solidFill>
-                          <a:latin typeface="Arial"/>
-                          <a:cs typeface="Arial"/>
-                        </a:rPr>
-                        <a:t/>
-                      </a:r>
-                    </a:p>
-                  </a:txBody>
-                  <a:tcPr anchor="ctr" marB="0" marT="0" marR="0" marL="0">
-                    <a:lnL w="0" cmpd="sng" algn="ctr" cap="flat">
-                      <a:solidFill>
-                        <a:srgbClr val="FFFFFF">
-                          <a:alpha val="0"/>
-                        </a:srgbClr>
-                      </a:solidFill>
-                      <a:prstDash val="solid"/>
-                    </a:lnL>
-                    <a:lnR w="0" cmpd="sng" algn="ctr" cap="flat">
-                      <a:solidFill>
-                        <a:srgbClr val="FFFFFF">
-                          <a:alpha val="0"/>
-                        </a:srgbClr>
-                      </a:solidFill>
-                      <a:prstDash val="solid"/>
-                    </a:lnR>
-                    <a:lnT w="0" cmpd="sng" algn="ctr" cap="flat">
-                      <a:solidFill>
-                        <a:srgbClr val="FFFFFF">
-                          <a:alpha val="0"/>
-                        </a:srgbClr>
-                      </a:solidFill>
-                      <a:prstDash val="solid"/>
-                    </a:lnT>
                     <a:lnB w="25400" cmpd="sng" algn="ctr" cap="flat">
                       <a:solidFill>
                         <a:srgbClr val="000000">
@@ -3597,7 +3406,7 @@
                           <a:latin typeface="Arial"/>
                           <a:cs typeface="Arial"/>
                         </a:rPr>
-                        <a:t>$5,853</a:t>
+                        <a:t>$78,425</a:t>
                       </a:r>
                     </a:p>
                   </a:txBody>
@@ -3660,7 +3469,7 @@
                           <a:latin typeface="Arial"/>
                           <a:cs typeface="Arial"/>
                         </a:rPr>
-                        <a:t>1</a:t>
+                        <a:t>25</a:t>
                       </a:r>
                     </a:p>
                   </a:txBody>
@@ -3973,12 +3782,12 @@
       </p:grpSpPr>
       <p:pic xmlns:a="http://schemas.openxmlformats.org/drawingml/2006/main" xmlns:r="http://schemas.openxmlformats.org/officeDocument/2006/relationships" xmlns:p="http://schemas.openxmlformats.org/presentationml/2006/main">
         <p:nvPicPr>
-          <p:cNvPr id="2" name=""/>
+          <p:cNvPr id="2" name="Title 1"/>
           <p:cNvPicPr>
             <a:picLocks noGrp="1"/>
           </p:cNvPicPr>
           <p:nvPr>
-            <p:ph/>
+            <p:ph type="title"/>
           </p:nvPr>
         </p:nvPicPr>
         <p:blipFill>
@@ -3989,8 +3798,8 @@
         </p:blipFill>
         <p:spPr>
           <a:xfrm>
-            <a:off x="0" y="0"/>
-            <a:ext cx="9144000" cy="6858000"/>
+            <a:off x="457200" y="274638"/>
+            <a:ext cx="6373368" cy="6858000"/>
           </a:xfrm>
         </p:spPr>
       </p:pic>
@@ -10356,12 +10165,12 @@
       </p:grpSpPr>
       <p:pic xmlns:a="http://schemas.openxmlformats.org/drawingml/2006/main" xmlns:r="http://schemas.openxmlformats.org/officeDocument/2006/relationships" xmlns:p="http://schemas.openxmlformats.org/presentationml/2006/main">
         <p:nvPicPr>
-          <p:cNvPr id="2" name=""/>
+          <p:cNvPr id="2" name="Title 1"/>
           <p:cNvPicPr>
             <a:picLocks noGrp="1"/>
           </p:cNvPicPr>
           <p:nvPr>
-            <p:ph/>
+            <p:ph type="title"/>
           </p:nvPr>
         </p:nvPicPr>
         <p:blipFill>
@@ -10372,8 +10181,8 @@
         </p:blipFill>
         <p:spPr>
           <a:xfrm>
-            <a:off x="0" y="0"/>
-            <a:ext cx="9144000" cy="6858000"/>
+            <a:off x="457200" y="274638"/>
+            <a:ext cx="8686800" cy="6858000"/>
           </a:xfrm>
         </p:spPr>
       </p:pic>
@@ -13818,12 +13627,12 @@
       </p:grpSpPr>
       <p:pic xmlns:a="http://schemas.openxmlformats.org/drawingml/2006/main" xmlns:r="http://schemas.openxmlformats.org/officeDocument/2006/relationships" xmlns:p="http://schemas.openxmlformats.org/presentationml/2006/main">
         <p:nvPicPr>
-          <p:cNvPr id="2" name=""/>
+          <p:cNvPr id="2" name="Title 1"/>
           <p:cNvPicPr>
             <a:picLocks noGrp="1"/>
           </p:cNvPicPr>
           <p:nvPr>
-            <p:ph/>
+            <p:ph type="title"/>
           </p:nvPr>
         </p:nvPicPr>
         <p:blipFill>
@@ -13834,8 +13643,8 @@
         </p:blipFill>
         <p:spPr>
           <a:xfrm>
-            <a:off x="0" y="0"/>
-            <a:ext cx="9144000" cy="6858000"/>
+            <a:off x="457200" y="274638"/>
+            <a:ext cx="4764024" cy="6858000"/>
           </a:xfrm>
         </p:spPr>
       </p:pic>
@@ -16976,12 +16785,12 @@
       </p:grpSpPr>
       <p:pic xmlns:a="http://schemas.openxmlformats.org/drawingml/2006/main" xmlns:r="http://schemas.openxmlformats.org/officeDocument/2006/relationships" xmlns:p="http://schemas.openxmlformats.org/presentationml/2006/main">
         <p:nvPicPr>
-          <p:cNvPr id="2" name=""/>
+          <p:cNvPr id="2" name="Title 1"/>
           <p:cNvPicPr>
             <a:picLocks noGrp="1"/>
           </p:cNvPicPr>
           <p:nvPr>
-            <p:ph/>
+            <p:ph type="title"/>
           </p:nvPr>
         </p:nvPicPr>
         <p:blipFill>
@@ -16992,8 +16801,8 @@
         </p:blipFill>
         <p:spPr>
           <a:xfrm>
-            <a:off x="0" y="0"/>
-            <a:ext cx="9144000" cy="6858000"/>
+            <a:off x="457200" y="274638"/>
+            <a:ext cx="3712464" cy="6858000"/>
           </a:xfrm>
         </p:spPr>
       </p:pic>
@@ -18629,12 +18438,12 @@
       </p:grpSpPr>
       <p:pic xmlns:a="http://schemas.openxmlformats.org/drawingml/2006/main" xmlns:r="http://schemas.openxmlformats.org/officeDocument/2006/relationships" xmlns:p="http://schemas.openxmlformats.org/presentationml/2006/main">
         <p:nvPicPr>
-          <p:cNvPr id="2" name=""/>
+          <p:cNvPr id="2" name="Title 1"/>
           <p:cNvPicPr>
             <a:picLocks noGrp="1"/>
           </p:cNvPicPr>
           <p:nvPr>
-            <p:ph/>
+            <p:ph type="title"/>
           </p:nvPr>
         </p:nvPicPr>
         <p:blipFill>
@@ -18645,8 +18454,8 @@
         </p:blipFill>
         <p:spPr>
           <a:xfrm>
-            <a:off x="0" y="0"/>
-            <a:ext cx="9144000" cy="6858000"/>
+            <a:off x="457200" y="274638"/>
+            <a:ext cx="7562088" cy="6858000"/>
           </a:xfrm>
         </p:spPr>
       </p:pic>
@@ -19894,12 +19703,12 @@
       </p:grpSpPr>
       <p:pic xmlns:a="http://schemas.openxmlformats.org/drawingml/2006/main" xmlns:r="http://schemas.openxmlformats.org/officeDocument/2006/relationships" xmlns:p="http://schemas.openxmlformats.org/presentationml/2006/main">
         <p:nvPicPr>
-          <p:cNvPr id="2" name=""/>
+          <p:cNvPr id="2" name="Title 1"/>
           <p:cNvPicPr>
             <a:picLocks noGrp="1"/>
           </p:cNvPicPr>
           <p:nvPr>
-            <p:ph/>
+            <p:ph type="title"/>
           </p:nvPr>
         </p:nvPicPr>
         <p:blipFill>
@@ -19910,8 +19719,8 @@
         </p:blipFill>
         <p:spPr>
           <a:xfrm>
-            <a:off x="0" y="0"/>
-            <a:ext cx="9144000" cy="6858000"/>
+            <a:off x="457200" y="274638"/>
+            <a:ext cx="8449056" cy="6830568"/>
           </a:xfrm>
         </p:spPr>
       </p:pic>
@@ -20294,7 +20103,7 @@
                           <a:latin typeface="Arial"/>
                           <a:cs typeface="Arial"/>
                         </a:rPr>
-                        <a:t>$7,400</a:t>
+                        <a:t>$5,900</a:t>
                       </a:r>
                     </a:p>
                   </a:txBody>
@@ -20357,7 +20166,7 @@
                           <a:latin typeface="Arial"/>
                           <a:cs typeface="Arial"/>
                         </a:rPr>
-                        <a:t>1</a:t>
+                        <a:t>2</a:t>
                       </a:r>
                     </a:p>
                   </a:txBody>
@@ -20642,197 +20451,6 @@
                       </a:solidFill>
                       <a:prstDash val="solid"/>
                     </a:lnT>
-                    <a:lnB w="0" cmpd="sng" algn="ctr" cap="flat">
-                      <a:solidFill>
-                        <a:srgbClr val="FFFFFF">
-                          <a:alpha val="0"/>
-                        </a:srgbClr>
-                      </a:solidFill>
-                      <a:prstDash val="solid"/>
-                    </a:lnB>
-                  </a:tcPr>
-                </a:tc>
-                <a:tc>
-                  <a:txBody>
-                    <a:bodyPr/>
-                    <a:lstStyle/>
-                    <a:p>
-                      <a:pPr algn="r" marL="63500" marR="63500">
-                        <a:spcBef>
-                          <a:spcPts val="200"/>
-                        </a:spcBef>
-                        <a:spcAft>
-                          <a:spcPts val="200"/>
-                        </a:spcAft>
-                        <a:buNone/>
-                      </a:pPr>
-                      <a:r>
-                        <a:rPr sz="1100">
-                          <a:solidFill>
-                            <a:srgbClr val="111111">
-                              <a:alpha val="100000"/>
-                            </a:srgbClr>
-                          </a:solidFill>
-                          <a:latin typeface="Arial"/>
-                          <a:cs typeface="Arial"/>
-                        </a:rPr>
-                        <a:t>$3,588</a:t>
-                      </a:r>
-                    </a:p>
-                  </a:txBody>
-                  <a:tcPr anchor="ctr" marB="0" marT="0" marR="0" marL="0">
-                    <a:lnL w="0" cmpd="sng" algn="ctr" cap="flat">
-                      <a:solidFill>
-                        <a:srgbClr val="FFFFFF">
-                          <a:alpha val="0"/>
-                        </a:srgbClr>
-                      </a:solidFill>
-                      <a:prstDash val="solid"/>
-                    </a:lnL>
-                    <a:lnR w="0" cmpd="sng" algn="ctr" cap="flat">
-                      <a:solidFill>
-                        <a:srgbClr val="FFFFFF">
-                          <a:alpha val="0"/>
-                        </a:srgbClr>
-                      </a:solidFill>
-                      <a:prstDash val="solid"/>
-                    </a:lnR>
-                    <a:lnT w="0" cmpd="sng" algn="ctr" cap="flat">
-                      <a:solidFill>
-                        <a:srgbClr val="FFFFFF">
-                          <a:alpha val="0"/>
-                        </a:srgbClr>
-                      </a:solidFill>
-                      <a:prstDash val="solid"/>
-                    </a:lnT>
-                    <a:lnB w="0" cmpd="sng" algn="ctr" cap="flat">
-                      <a:solidFill>
-                        <a:srgbClr val="FFFFFF">
-                          <a:alpha val="0"/>
-                        </a:srgbClr>
-                      </a:solidFill>
-                      <a:prstDash val="solid"/>
-                    </a:lnB>
-                  </a:tcPr>
-                </a:tc>
-                <a:tc>
-                  <a:txBody>
-                    <a:bodyPr/>
-                    <a:lstStyle/>
-                    <a:p>
-                      <a:pPr algn="r" marL="63500" marR="63500">
-                        <a:spcBef>
-                          <a:spcPts val="200"/>
-                        </a:spcBef>
-                        <a:spcAft>
-                          <a:spcPts val="200"/>
-                        </a:spcAft>
-                        <a:buNone/>
-                      </a:pPr>
-                      <a:r>
-                        <a:rPr sz="1100">
-                          <a:solidFill>
-                            <a:srgbClr val="111111">
-                              <a:alpha val="100000"/>
-                            </a:srgbClr>
-                          </a:solidFill>
-                          <a:latin typeface="Arial"/>
-                          <a:cs typeface="Arial"/>
-                        </a:rPr>
-                        <a:t>4</a:t>
-                      </a:r>
-                    </a:p>
-                  </a:txBody>
-                  <a:tcPr anchor="ctr" marB="0" marT="0" marR="0" marL="0">
-                    <a:lnL w="0" cmpd="sng" algn="ctr" cap="flat">
-                      <a:solidFill>
-                        <a:srgbClr val="FFFFFF">
-                          <a:alpha val="0"/>
-                        </a:srgbClr>
-                      </a:solidFill>
-                      <a:prstDash val="solid"/>
-                    </a:lnL>
-                    <a:lnR w="0" cmpd="sng" algn="ctr" cap="flat">
-                      <a:solidFill>
-                        <a:srgbClr val="FFFFFF">
-                          <a:alpha val="0"/>
-                        </a:srgbClr>
-                      </a:solidFill>
-                      <a:prstDash val="solid"/>
-                    </a:lnR>
-                    <a:lnT w="0" cmpd="sng" algn="ctr" cap="flat">
-                      <a:solidFill>
-                        <a:srgbClr val="FFFFFF">
-                          <a:alpha val="0"/>
-                        </a:srgbClr>
-                      </a:solidFill>
-                      <a:prstDash val="solid"/>
-                    </a:lnT>
-                    <a:lnB w="0" cmpd="sng" algn="ctr" cap="flat">
-                      <a:solidFill>
-                        <a:srgbClr val="FFFFFF">
-                          <a:alpha val="0"/>
-                        </a:srgbClr>
-                      </a:solidFill>
-                      <a:prstDash val="solid"/>
-                    </a:lnB>
-                  </a:tcPr>
-                </a:tc>
-              </a:tr>
-              <a:tr h="288158">
-                <a:tc>
-                  <a:txBody>
-                    <a:bodyPr/>
-                    <a:lstStyle/>
-                    <a:p>
-                      <a:pPr algn="l" marL="63500" marR="63500">
-                        <a:spcBef>
-                          <a:spcPts val="200"/>
-                        </a:spcBef>
-                        <a:spcAft>
-                          <a:spcPts val="200"/>
-                        </a:spcAft>
-                        <a:buNone/>
-                      </a:pPr>
-                      <a:r>
-                        <a:rPr sz="1100">
-                          <a:solidFill>
-                            <a:srgbClr val="111111">
-                              <a:alpha val="100000"/>
-                            </a:srgbClr>
-                          </a:solidFill>
-                          <a:latin typeface="Arial"/>
-                          <a:cs typeface="Arial"/>
-                        </a:rPr>
-                        <a:t/>
-                      </a:r>
-                    </a:p>
-                  </a:txBody>
-                  <a:tcPr anchor="ctr" marB="0" marT="0" marR="0" marL="0">
-                    <a:lnL w="0" cmpd="sng" algn="ctr" cap="flat">
-                      <a:solidFill>
-                        <a:srgbClr val="FFFFFF">
-                          <a:alpha val="0"/>
-                        </a:srgbClr>
-                      </a:solidFill>
-                      <a:prstDash val="solid"/>
-                    </a:lnL>
-                    <a:lnR w="0" cmpd="sng" algn="ctr" cap="flat">
-                      <a:solidFill>
-                        <a:srgbClr val="FFFFFF">
-                          <a:alpha val="0"/>
-                        </a:srgbClr>
-                      </a:solidFill>
-                      <a:prstDash val="solid"/>
-                    </a:lnR>
-                    <a:lnT w="0" cmpd="sng" algn="ctr" cap="flat">
-                      <a:solidFill>
-                        <a:srgbClr val="FFFFFF">
-                          <a:alpha val="0"/>
-                        </a:srgbClr>
-                      </a:solidFill>
-                      <a:prstDash val="solid"/>
-                    </a:lnT>
                     <a:lnB w="25400" cmpd="sng" algn="ctr" cap="flat">
                       <a:solidFill>
                         <a:srgbClr val="000000">
@@ -20867,7 +20485,7 @@
                           <a:latin typeface="Arial"/>
                           <a:cs typeface="Arial"/>
                         </a:rPr>
-                        <a:t>$4,400</a:t>
+                        <a:t>$3,588</a:t>
                       </a:r>
                     </a:p>
                   </a:txBody>
@@ -20930,7 +20548,7 @@
                           <a:latin typeface="Arial"/>
                           <a:cs typeface="Arial"/>
                         </a:rPr>
-                        <a:t>1</a:t>
+                        <a:t>4</a:t>
                       </a:r>
                     </a:p>
                   </a:txBody>
@@ -21898,7 +21516,7 @@
                           <a:latin typeface="Arial"/>
                           <a:cs typeface="Arial"/>
                         </a:rPr>
-                        <a:t/>
+                        <a:t>Commercial</a:t>
                       </a:r>
                     </a:p>
                   </a:txBody>

--- a/results/2020/March/finalreport.pptx
+++ b/results/2020/March/finalreport.pptx
@@ -2382,12 +2382,12 @@
       </p:grpSpPr>
       <p:pic xmlns:a="http://schemas.openxmlformats.org/drawingml/2006/main" xmlns:r="http://schemas.openxmlformats.org/officeDocument/2006/relationships" xmlns:p="http://schemas.openxmlformats.org/presentationml/2006/main">
         <p:nvPicPr>
-          <p:cNvPr id="2" name=""/>
+          <p:cNvPr id="2" name="Content Placeholder 2"/>
           <p:cNvPicPr>
             <a:picLocks noGrp="1"/>
           </p:cNvPicPr>
           <p:nvPr>
-            <p:ph/>
+            <p:ph idx="1"/>
           </p:nvPr>
         </p:nvPicPr>
         <p:blipFill>
@@ -2398,11 +2398,38 @@
         </p:blipFill>
         <p:spPr>
           <a:xfrm>
-            <a:off x="0" y="0"/>
-            <a:ext cx="9144000" cy="6858000"/>
+            <a:off x="457200" y="1600200"/>
+            <a:ext cx="4983480" cy="4983480"/>
           </a:xfrm>
         </p:spPr>
       </p:pic>
+      <p:sp xmlns:a="http://schemas.openxmlformats.org/drawingml/2006/main" xmlns:r="http://schemas.openxmlformats.org/officeDocument/2006/relationships" xmlns:p="http://schemas.openxmlformats.org/presentationml/2006/main">
+        <p:nvSpPr>
+          <p:cNvPr id="3" name="Title 1"/>
+          <p:cNvSpPr>
+            <a:spLocks noGrp="1"/>
+          </p:cNvSpPr>
+          <p:nvPr>
+            <p:ph type="title"/>
+          </p:nvPr>
+        </p:nvSpPr>
+        <p:spPr>
+          <a:xfrm>
+            <a:off x="457200" y="274638"/>
+            <a:ext cx="8229600" cy="1143000"/>
+          </a:xfrm>
+        </p:spPr>
+        <p:txBody>
+          <a:bodyPr/>
+          <a:lstStyle/>
+          <a:p>
+            <a:r>
+              <a:rPr/>
+              <a:t>Forest Park Southeast High Cost Permits</a:t>
+            </a:r>
+          </a:p>
+        </p:txBody>
+      </p:sp>
     </p:spTree>
   </p:cSld>
   <p:clrMapOvr>
@@ -3538,14 +3565,41 @@
           <a:chExt cx="0" cy="0"/>
         </a:xfrm>
       </p:grpSpPr>
+      <p:sp xmlns:a="http://schemas.openxmlformats.org/drawingml/2006/main" xmlns:r="http://schemas.openxmlformats.org/officeDocument/2006/relationships" xmlns:p="http://schemas.openxmlformats.org/presentationml/2006/main">
+        <p:nvSpPr>
+          <p:cNvPr id="2" name="Title 1"/>
+          <p:cNvSpPr>
+            <a:spLocks noGrp="1"/>
+          </p:cNvSpPr>
+          <p:nvPr>
+            <p:ph type="title"/>
+          </p:nvPr>
+        </p:nvSpPr>
+        <p:spPr>
+          <a:xfrm>
+            <a:off x="457200" y="274638"/>
+            <a:ext cx="8229600" cy="1143000"/>
+          </a:xfrm>
+        </p:spPr>
+        <p:txBody>
+          <a:bodyPr/>
+          <a:lstStyle/>
+          <a:p>
+            <a:r>
+              <a:rPr/>
+              <a:t>Cental West End High Cost Permits</a:t>
+            </a:r>
+          </a:p>
+        </p:txBody>
+      </p:sp>
       <p:pic xmlns:a="http://schemas.openxmlformats.org/drawingml/2006/main" xmlns:r="http://schemas.openxmlformats.org/officeDocument/2006/relationships" xmlns:p="http://schemas.openxmlformats.org/presentationml/2006/main">
         <p:nvPicPr>
-          <p:cNvPr id="2" name=""/>
+          <p:cNvPr id="3" name="Content Placeholder 2"/>
           <p:cNvPicPr>
             <a:picLocks noGrp="1"/>
           </p:cNvPicPr>
           <p:nvPr>
-            <p:ph/>
+            <p:ph idx="1"/>
           </p:nvPr>
         </p:nvPicPr>
         <p:blipFill>
@@ -3556,8 +3610,8 @@
         </p:blipFill>
         <p:spPr>
           <a:xfrm>
-            <a:off x="0" y="0"/>
-            <a:ext cx="9144000" cy="6858000"/>
+            <a:off x="457200" y="1600200"/>
+            <a:ext cx="4983480" cy="4983480"/>
           </a:xfrm>
         </p:spPr>
       </p:pic>
@@ -6007,14 +6061,41 @@
           <a:chExt cx="0" cy="0"/>
         </a:xfrm>
       </p:grpSpPr>
+      <p:sp xmlns:a="http://schemas.openxmlformats.org/drawingml/2006/main" xmlns:r="http://schemas.openxmlformats.org/officeDocument/2006/relationships" xmlns:p="http://schemas.openxmlformats.org/presentationml/2006/main">
+        <p:nvSpPr>
+          <p:cNvPr id="2" name="Title 1"/>
+          <p:cNvSpPr>
+            <a:spLocks noGrp="1"/>
+          </p:cNvSpPr>
+          <p:nvPr>
+            <p:ph type="title"/>
+          </p:nvPr>
+        </p:nvSpPr>
+        <p:spPr>
+          <a:xfrm>
+            <a:off x="457200" y="274638"/>
+            <a:ext cx="8229600" cy="1143000"/>
+          </a:xfrm>
+        </p:spPr>
+        <p:txBody>
+          <a:bodyPr/>
+          <a:lstStyle/>
+          <a:p>
+            <a:r>
+              <a:rPr/>
+              <a:t>DeBaliviere Place High Cost Permits</a:t>
+            </a:r>
+          </a:p>
+        </p:txBody>
+      </p:sp>
       <p:pic xmlns:a="http://schemas.openxmlformats.org/drawingml/2006/main" xmlns:r="http://schemas.openxmlformats.org/officeDocument/2006/relationships" xmlns:p="http://schemas.openxmlformats.org/presentationml/2006/main">
         <p:nvPicPr>
-          <p:cNvPr id="2" name=""/>
+          <p:cNvPr id="3" name="Content Placeholder 2"/>
           <p:cNvPicPr>
             <a:picLocks noGrp="1"/>
           </p:cNvPicPr>
           <p:nvPr>
-            <p:ph/>
+            <p:ph idx="1"/>
           </p:nvPr>
         </p:nvPicPr>
         <p:blipFill>
@@ -6025,8 +6106,8 @@
         </p:blipFill>
         <p:spPr>
           <a:xfrm>
-            <a:off x="0" y="0"/>
-            <a:ext cx="9144000" cy="6858000"/>
+            <a:off x="457200" y="1600200"/>
+            <a:ext cx="4983480" cy="4983480"/>
           </a:xfrm>
         </p:spPr>
       </p:pic>
@@ -9846,14 +9927,41 @@
           <a:chExt cx="0" cy="0"/>
         </a:xfrm>
       </p:grpSpPr>
+      <p:sp xmlns:a="http://schemas.openxmlformats.org/drawingml/2006/main" xmlns:r="http://schemas.openxmlformats.org/officeDocument/2006/relationships" xmlns:p="http://schemas.openxmlformats.org/presentationml/2006/main">
+        <p:nvSpPr>
+          <p:cNvPr id="2" name="Title 1"/>
+          <p:cNvSpPr>
+            <a:spLocks noGrp="1"/>
+          </p:cNvSpPr>
+          <p:nvPr>
+            <p:ph type="title"/>
+          </p:nvPr>
+        </p:nvSpPr>
+        <p:spPr>
+          <a:xfrm>
+            <a:off x="457200" y="274638"/>
+            <a:ext cx="8229600" cy="1143000"/>
+          </a:xfrm>
+        </p:spPr>
+        <p:txBody>
+          <a:bodyPr/>
+          <a:lstStyle/>
+          <a:p>
+            <a:r>
+              <a:rPr/>
+              <a:t>Skinker DeBaliviere High Cost Permits</a:t>
+            </a:r>
+          </a:p>
+        </p:txBody>
+      </p:sp>
       <p:pic xmlns:a="http://schemas.openxmlformats.org/drawingml/2006/main" xmlns:r="http://schemas.openxmlformats.org/officeDocument/2006/relationships" xmlns:p="http://schemas.openxmlformats.org/presentationml/2006/main">
         <p:nvPicPr>
-          <p:cNvPr id="2" name=""/>
+          <p:cNvPr id="3" name="Content Placeholder 2"/>
           <p:cNvPicPr>
             <a:picLocks noGrp="1"/>
           </p:cNvPicPr>
           <p:nvPr>
-            <p:ph/>
+            <p:ph idx="1"/>
           </p:nvPr>
         </p:nvPicPr>
         <p:blipFill>
@@ -9864,8 +9972,8 @@
         </p:blipFill>
         <p:spPr>
           <a:xfrm>
-            <a:off x="0" y="0"/>
-            <a:ext cx="9144000" cy="6858000"/>
+            <a:off x="457200" y="1600200"/>
+            <a:ext cx="4983480" cy="4983480"/>
           </a:xfrm>
         </p:spPr>
       </p:pic>
@@ -10133,7 +10241,7 @@
           <a:p>
             <a:r>
               <a:rPr/>
-              <a:t>Neighborhood Summary</a:t>
+              <a:t>Neighborhood Summary: Average Building Permit Cost</a:t>
             </a:r>
           </a:p>
         </p:txBody>
@@ -13189,14 +13297,41 @@
           <a:chExt cx="0" cy="0"/>
         </a:xfrm>
       </p:grpSpPr>
+      <p:sp xmlns:a="http://schemas.openxmlformats.org/drawingml/2006/main" xmlns:r="http://schemas.openxmlformats.org/officeDocument/2006/relationships" xmlns:p="http://schemas.openxmlformats.org/presentationml/2006/main">
+        <p:nvSpPr>
+          <p:cNvPr id="2" name="Title 1"/>
+          <p:cNvSpPr>
+            <a:spLocks noGrp="1"/>
+          </p:cNvSpPr>
+          <p:nvPr>
+            <p:ph type="title"/>
+          </p:nvPr>
+        </p:nvSpPr>
+        <p:spPr>
+          <a:xfrm>
+            <a:off x="457200" y="274638"/>
+            <a:ext cx="8229600" cy="1143000"/>
+          </a:xfrm>
+        </p:spPr>
+        <p:txBody>
+          <a:bodyPr/>
+          <a:lstStyle/>
+          <a:p>
+            <a:r>
+              <a:rPr/>
+              <a:t>West End High Cost Permits</a:t>
+            </a:r>
+          </a:p>
+        </p:txBody>
+      </p:sp>
       <p:pic xmlns:a="http://schemas.openxmlformats.org/drawingml/2006/main" xmlns:r="http://schemas.openxmlformats.org/officeDocument/2006/relationships" xmlns:p="http://schemas.openxmlformats.org/presentationml/2006/main">
         <p:nvPicPr>
-          <p:cNvPr id="2" name=""/>
+          <p:cNvPr id="3" name="Content Placeholder 2"/>
           <p:cNvPicPr>
             <a:picLocks noGrp="1"/>
           </p:cNvPicPr>
           <p:nvPr>
-            <p:ph/>
+            <p:ph idx="1"/>
           </p:nvPr>
         </p:nvPicPr>
         <p:blipFill>
@@ -13207,8 +13342,8 @@
         </p:blipFill>
         <p:spPr>
           <a:xfrm>
-            <a:off x="0" y="0"/>
-            <a:ext cx="9144000" cy="6858000"/>
+            <a:off x="457200" y="1600200"/>
+            <a:ext cx="4983480" cy="4983480"/>
           </a:xfrm>
         </p:spPr>
       </p:pic>
@@ -13292,19 +13427,19 @@
           <a:p>
             <a:r>
               <a:rPr/>
-              <a:t>NaN change compared to March 2019 (0 total building permits)</a:t>
+              <a:t>0.00% change compared to March 2019 (0 total building permits)</a:t>
             </a:r>
           </a:p>
           <a:p>
             <a:r>
               <a:rPr/>
-              <a:t>NaN : Average building permit cost in Visitation Park in March 2020</a:t>
+              <a:t>$0 : Average building permit cost in Visitation Park in March 2020</a:t>
             </a:r>
           </a:p>
           <a:p>
             <a:r>
               <a:rPr/>
-              <a:t>NaN change compared to March 2019 (NaN)</a:t>
+              <a:t>0.00% change compared to March 2019 ($0)</a:t>
             </a:r>
           </a:p>
         </p:txBody>
@@ -13389,7 +13524,7 @@
           <a:p>
             <a:r>
               <a:rPr/>
-              <a:t>Inf change compared to this time in 2019 (0 total building permits)</a:t>
+              <a:t>Infinite change compared to this time in 2019 (0 total building permits)</a:t>
             </a:r>
           </a:p>
           <a:p>
@@ -13401,7 +13536,7 @@
           <a:p>
             <a:r>
               <a:rPr/>
-              <a:t>NaN change compared to this time in 2019 (NaN)</a:t>
+              <a:t>Infinite change compared to this time in 2019 ($0)</a:t>
             </a:r>
           </a:p>
         </p:txBody>
@@ -16541,14 +16676,41 @@
           <a:chExt cx="0" cy="0"/>
         </a:xfrm>
       </p:grpSpPr>
+      <p:sp xmlns:a="http://schemas.openxmlformats.org/drawingml/2006/main" xmlns:r="http://schemas.openxmlformats.org/officeDocument/2006/relationships" xmlns:p="http://schemas.openxmlformats.org/presentationml/2006/main">
+        <p:nvSpPr>
+          <p:cNvPr id="2" name="Title 1"/>
+          <p:cNvSpPr>
+            <a:spLocks noGrp="1"/>
+          </p:cNvSpPr>
+          <p:nvPr>
+            <p:ph type="title"/>
+          </p:nvPr>
+        </p:nvSpPr>
+        <p:spPr>
+          <a:xfrm>
+            <a:off x="457200" y="274638"/>
+            <a:ext cx="8229600" cy="1143000"/>
+          </a:xfrm>
+        </p:spPr>
+        <p:txBody>
+          <a:bodyPr/>
+          <a:lstStyle/>
+          <a:p>
+            <a:r>
+              <a:rPr/>
+              <a:t>Academy High Cost Permits</a:t>
+            </a:r>
+          </a:p>
+        </p:txBody>
+      </p:sp>
       <p:pic xmlns:a="http://schemas.openxmlformats.org/drawingml/2006/main" xmlns:r="http://schemas.openxmlformats.org/officeDocument/2006/relationships" xmlns:p="http://schemas.openxmlformats.org/presentationml/2006/main">
         <p:nvPicPr>
-          <p:cNvPr id="2" name=""/>
+          <p:cNvPr id="3" name="Content Placeholder 2"/>
           <p:cNvPicPr>
             <a:picLocks noGrp="1"/>
           </p:cNvPicPr>
           <p:nvPr>
-            <p:ph/>
+            <p:ph idx="1"/>
           </p:nvPr>
         </p:nvPicPr>
         <p:blipFill>
@@ -16559,8 +16721,8 @@
         </p:blipFill>
         <p:spPr>
           <a:xfrm>
-            <a:off x="0" y="0"/>
-            <a:ext cx="9144000" cy="6858000"/>
+            <a:off x="457200" y="1600200"/>
+            <a:ext cx="4983480" cy="4983480"/>
           </a:xfrm>
         </p:spPr>
       </p:pic>
@@ -16644,7 +16806,7 @@
           <a:p>
             <a:r>
               <a:rPr/>
-              <a:t>Inf change compared to March 2019 (0 total building permits)</a:t>
+              <a:t>Infinite change compared to March 2019 (0 total building permits)</a:t>
             </a:r>
           </a:p>
           <a:p>
@@ -16656,7 +16818,7 @@
           <a:p>
             <a:r>
               <a:rPr/>
-              <a:t>NaN change compared to March 2019 (NaN)</a:t>
+              <a:t>Infinite change compared to March 2019 ($0)</a:t>
             </a:r>
           </a:p>
         </p:txBody>
@@ -17903,14 +18065,41 @@
           <a:chExt cx="0" cy="0"/>
         </a:xfrm>
       </p:grpSpPr>
+      <p:sp xmlns:a="http://schemas.openxmlformats.org/drawingml/2006/main" xmlns:r="http://schemas.openxmlformats.org/officeDocument/2006/relationships" xmlns:p="http://schemas.openxmlformats.org/presentationml/2006/main">
+        <p:nvSpPr>
+          <p:cNvPr id="2" name="Title 1"/>
+          <p:cNvSpPr>
+            <a:spLocks noGrp="1"/>
+          </p:cNvSpPr>
+          <p:nvPr>
+            <p:ph type="title"/>
+          </p:nvPr>
+        </p:nvSpPr>
+        <p:spPr>
+          <a:xfrm>
+            <a:off x="457200" y="274638"/>
+            <a:ext cx="8229600" cy="1143000"/>
+          </a:xfrm>
+        </p:spPr>
+        <p:txBody>
+          <a:bodyPr/>
+          <a:lstStyle/>
+          <a:p>
+            <a:r>
+              <a:rPr/>
+              <a:t>Fountain Park High Cost Permits</a:t>
+            </a:r>
+          </a:p>
+        </p:txBody>
+      </p:sp>
       <p:pic xmlns:a="http://schemas.openxmlformats.org/drawingml/2006/main" xmlns:r="http://schemas.openxmlformats.org/officeDocument/2006/relationships" xmlns:p="http://schemas.openxmlformats.org/presentationml/2006/main">
         <p:nvPicPr>
-          <p:cNvPr id="2" name=""/>
+          <p:cNvPr id="3" name="Content Placeholder 2"/>
           <p:cNvPicPr>
             <a:picLocks noGrp="1"/>
           </p:cNvPicPr>
           <p:nvPr>
-            <p:ph/>
+            <p:ph idx="1"/>
           </p:nvPr>
         </p:nvPicPr>
         <p:blipFill>
@@ -17921,8 +18110,8 @@
         </p:blipFill>
         <p:spPr>
           <a:xfrm>
-            <a:off x="0" y="0"/>
-            <a:ext cx="9144000" cy="6858000"/>
+            <a:off x="457200" y="1600200"/>
+            <a:ext cx="4983480" cy="4983480"/>
           </a:xfrm>
         </p:spPr>
       </p:pic>
@@ -18006,19 +18195,19 @@
           <a:p>
             <a:r>
               <a:rPr/>
-              <a:t>NaN change compared to March 2019 (0 total building permits)</a:t>
+              <a:t>0.00% change compared to March 2019 (0 total building permits)</a:t>
             </a:r>
           </a:p>
           <a:p>
             <a:r>
               <a:rPr/>
-              <a:t>NaN : Average building permit cost in Lewis Place in March 2020</a:t>
+              <a:t>$0 : Average building permit cost in Lewis Place in March 2020</a:t>
             </a:r>
           </a:p>
           <a:p>
             <a:r>
               <a:rPr/>
-              <a:t>NaN change compared to March 2019 (NaN)</a:t>
+              <a:t>0.00% change compared to March 2019 ($0)</a:t>
             </a:r>
           </a:p>
         </p:txBody>
@@ -19556,14 +19745,41 @@
           <a:chExt cx="0" cy="0"/>
         </a:xfrm>
       </p:grpSpPr>
+      <p:sp xmlns:a="http://schemas.openxmlformats.org/drawingml/2006/main" xmlns:r="http://schemas.openxmlformats.org/officeDocument/2006/relationships" xmlns:p="http://schemas.openxmlformats.org/presentationml/2006/main">
+        <p:nvSpPr>
+          <p:cNvPr id="2" name="Title 1"/>
+          <p:cNvSpPr>
+            <a:spLocks noGrp="1"/>
+          </p:cNvSpPr>
+          <p:nvPr>
+            <p:ph type="title"/>
+          </p:nvPr>
+        </p:nvSpPr>
+        <p:spPr>
+          <a:xfrm>
+            <a:off x="457200" y="274638"/>
+            <a:ext cx="8229600" cy="1143000"/>
+          </a:xfrm>
+        </p:spPr>
+        <p:txBody>
+          <a:bodyPr/>
+          <a:lstStyle/>
+          <a:p>
+            <a:r>
+              <a:rPr/>
+              <a:t>Vandeventer High Cost Permits</a:t>
+            </a:r>
+          </a:p>
+        </p:txBody>
+      </p:sp>
       <p:pic xmlns:a="http://schemas.openxmlformats.org/drawingml/2006/main" xmlns:r="http://schemas.openxmlformats.org/officeDocument/2006/relationships" xmlns:p="http://schemas.openxmlformats.org/presentationml/2006/main">
         <p:nvPicPr>
-          <p:cNvPr id="2" name=""/>
+          <p:cNvPr id="3" name="Content Placeholder 2"/>
           <p:cNvPicPr>
             <a:picLocks noGrp="1"/>
           </p:cNvPicPr>
           <p:nvPr>
-            <p:ph/>
+            <p:ph idx="1"/>
           </p:nvPr>
         </p:nvPicPr>
         <p:blipFill>
@@ -19574,8 +19790,8 @@
         </p:blipFill>
         <p:spPr>
           <a:xfrm>
-            <a:off x="0" y="0"/>
-            <a:ext cx="9144000" cy="6858000"/>
+            <a:off x="457200" y="1600200"/>
+            <a:ext cx="4983480" cy="4983480"/>
           </a:xfrm>
         </p:spPr>
       </p:pic>

--- a/results/2020/March/finalreport.pptx
+++ b/results/2020/March/finalreport.pptx
@@ -4432,6 +4432,12 @@
               <a:t>Building permits that were cancelled were dropped</a:t>
             </a:r>
           </a:p>
+          <a:p>
+            <a:r>
+              <a:rPr/>
+              <a:t>Infinite change indicates 0 permits in the current or previous time period/comparison month so there was a overall increase or decrease</a:t>
+            </a:r>
+          </a:p>
         </p:txBody>
       </p:sp>
     </p:spTree>
